--- a/Daily Agendas/Day5.1 ProjectileMotionII.pptx
+++ b/Daily Agendas/Day5.1 ProjectileMotionII.pptx
@@ -243,7 +243,7 @@
           <a:p>
             <a:fld id="{DBFDDC6D-30E6-4591-A5D6-EBA4A0A375E4}" type="datetimeFigureOut">
               <a:rPr lang="en-US" smtClean="0"/>
-              <a:t>2/28/2020</a:t>
+              <a:t>3/1/2020</a:t>
             </a:fld>
             <a:endParaRPr lang="en-US"/>
           </a:p>
@@ -413,7 +413,7 @@
           <a:p>
             <a:fld id="{DBFDDC6D-30E6-4591-A5D6-EBA4A0A375E4}" type="datetimeFigureOut">
               <a:rPr lang="en-US" smtClean="0"/>
-              <a:t>2/28/2020</a:t>
+              <a:t>3/1/2020</a:t>
             </a:fld>
             <a:endParaRPr lang="en-US"/>
           </a:p>
@@ -593,7 +593,7 @@
           <a:p>
             <a:fld id="{DBFDDC6D-30E6-4591-A5D6-EBA4A0A375E4}" type="datetimeFigureOut">
               <a:rPr lang="en-US" smtClean="0"/>
-              <a:t>2/28/2020</a:t>
+              <a:t>3/1/2020</a:t>
             </a:fld>
             <a:endParaRPr lang="en-US"/>
           </a:p>
@@ -763,7 +763,7 @@
           <a:p>
             <a:fld id="{DBFDDC6D-30E6-4591-A5D6-EBA4A0A375E4}" type="datetimeFigureOut">
               <a:rPr lang="en-US" smtClean="0"/>
-              <a:t>2/28/2020</a:t>
+              <a:t>3/1/2020</a:t>
             </a:fld>
             <a:endParaRPr lang="en-US"/>
           </a:p>
@@ -1007,7 +1007,7 @@
           <a:p>
             <a:fld id="{DBFDDC6D-30E6-4591-A5D6-EBA4A0A375E4}" type="datetimeFigureOut">
               <a:rPr lang="en-US" smtClean="0"/>
-              <a:t>2/28/2020</a:t>
+              <a:t>3/1/2020</a:t>
             </a:fld>
             <a:endParaRPr lang="en-US"/>
           </a:p>
@@ -1239,7 +1239,7 @@
           <a:p>
             <a:fld id="{DBFDDC6D-30E6-4591-A5D6-EBA4A0A375E4}" type="datetimeFigureOut">
               <a:rPr lang="en-US" smtClean="0"/>
-              <a:t>2/28/2020</a:t>
+              <a:t>3/1/2020</a:t>
             </a:fld>
             <a:endParaRPr lang="en-US"/>
           </a:p>
@@ -1606,7 +1606,7 @@
           <a:p>
             <a:fld id="{DBFDDC6D-30E6-4591-A5D6-EBA4A0A375E4}" type="datetimeFigureOut">
               <a:rPr lang="en-US" smtClean="0"/>
-              <a:t>2/28/2020</a:t>
+              <a:t>3/1/2020</a:t>
             </a:fld>
             <a:endParaRPr lang="en-US"/>
           </a:p>
@@ -1724,7 +1724,7 @@
           <a:p>
             <a:fld id="{DBFDDC6D-30E6-4591-A5D6-EBA4A0A375E4}" type="datetimeFigureOut">
               <a:rPr lang="en-US" smtClean="0"/>
-              <a:t>2/28/2020</a:t>
+              <a:t>3/1/2020</a:t>
             </a:fld>
             <a:endParaRPr lang="en-US"/>
           </a:p>
@@ -1819,7 +1819,7 @@
           <a:p>
             <a:fld id="{DBFDDC6D-30E6-4591-A5D6-EBA4A0A375E4}" type="datetimeFigureOut">
               <a:rPr lang="en-US" smtClean="0"/>
-              <a:t>2/28/2020</a:t>
+              <a:t>3/1/2020</a:t>
             </a:fld>
             <a:endParaRPr lang="en-US"/>
           </a:p>
@@ -2096,7 +2096,7 @@
           <a:p>
             <a:fld id="{DBFDDC6D-30E6-4591-A5D6-EBA4A0A375E4}" type="datetimeFigureOut">
               <a:rPr lang="en-US" smtClean="0"/>
-              <a:t>2/28/2020</a:t>
+              <a:t>3/1/2020</a:t>
             </a:fld>
             <a:endParaRPr lang="en-US"/>
           </a:p>
@@ -2353,7 +2353,7 @@
           <a:p>
             <a:fld id="{DBFDDC6D-30E6-4591-A5D6-EBA4A0A375E4}" type="datetimeFigureOut">
               <a:rPr lang="en-US" smtClean="0"/>
-              <a:t>2/28/2020</a:t>
+              <a:t>3/1/2020</a:t>
             </a:fld>
             <a:endParaRPr lang="en-US"/>
           </a:p>
@@ -2566,7 +2566,7 @@
           <a:p>
             <a:fld id="{DBFDDC6D-30E6-4591-A5D6-EBA4A0A375E4}" type="datetimeFigureOut">
               <a:rPr lang="en-US" smtClean="0"/>
-              <a:t>2/28/2020</a:t>
+              <a:t>3/1/2020</a:t>
             </a:fld>
             <a:endParaRPr lang="en-US"/>
           </a:p>
@@ -2990,35 +2990,15 @@
           <a:p>
             <a:pPr algn="ctr"/>
             <a:r>
-              <a:rPr lang="en-CA" dirty="0" smtClean="0"/>
-              <a:t>Projectile Motion </a:t>
-            </a:r>
-            <a:r>
-              <a:rPr lang="en-CA" dirty="0" smtClean="0"/>
-              <a:t>Analysis II </a:t>
-            </a:r>
-            <a:r>
               <a:rPr lang="en-CA" dirty="0"/>
-              <a:t>– </a:t>
-            </a:r>
-            <a:r>
-              <a:rPr lang="en-CA" dirty="0" smtClean="0"/>
-              <a:t>Mar 02</a:t>
-            </a:r>
-            <a:r>
-              <a:rPr lang="en-CA" dirty="0"/>
-              <a:t/>
+              <a:t>Projectile Motion Analysis II – Mar 02</a:t>
             </a:r>
             <a:br>
               <a:rPr lang="en-CA" dirty="0"/>
             </a:br>
             <a:r>
               <a:rPr lang="en-CA" sz="2800" dirty="0"/>
-              <a:t>(Unit 2: Kinematics – Day </a:t>
-            </a:r>
-            <a:r>
-              <a:rPr lang="en-CA" sz="2800" dirty="0" smtClean="0"/>
-              <a:t>13)</a:t>
+              <a:t>(Unit 2: Kinematics – Day 13)</a:t>
             </a:r>
             <a:endParaRPr lang="en-US" dirty="0"/>
           </a:p>
@@ -3049,81 +3029,50 @@
           <a:p>
             <a:pPr lvl="1"/>
             <a:r>
-              <a:rPr lang="en-CA" dirty="0" smtClean="0"/>
+              <a:rPr lang="en-CA" dirty="0"/>
               <a:t>Projectile Motion Analysis</a:t>
             </a:r>
+          </a:p>
+          <a:p>
+            <a:pPr lvl="2"/>
+            <a:r>
+              <a:rPr lang="en-CA" dirty="0"/>
+              <a:t>Discussion: Projectile Motion Conditions (</a:t>
+            </a:r>
+            <a:r>
+              <a:rPr lang="en-CA"/>
+              <a:t>Question #2)</a:t>
+            </a:r>
             <a:endParaRPr lang="en-CA" dirty="0"/>
           </a:p>
           <a:p>
             <a:pPr lvl="2"/>
             <a:r>
-              <a:rPr lang="en-CA" dirty="0" smtClean="0"/>
-              <a:t>Discussion</a:t>
-            </a:r>
-            <a:r>
-              <a:rPr lang="en-CA" dirty="0" smtClean="0"/>
-              <a:t>: Projectile Motion </a:t>
-            </a:r>
-            <a:r>
-              <a:rPr lang="en-CA" dirty="0" smtClean="0"/>
-              <a:t>Conditions (Question #3)</a:t>
-            </a:r>
-            <a:endParaRPr lang="en-CA" dirty="0" smtClean="0"/>
+              <a:rPr lang="en-CA" dirty="0"/>
+              <a:t>HW: Projectile Motion Sample Part II (from Friday)</a:t>
+            </a:r>
           </a:p>
           <a:p>
             <a:pPr lvl="2"/>
             <a:r>
-              <a:rPr lang="en-CA" dirty="0" smtClean="0"/>
-              <a:t>HW: Projectile </a:t>
-            </a:r>
-            <a:r>
-              <a:rPr lang="en-CA" dirty="0" smtClean="0"/>
-              <a:t>Motion Sample </a:t>
-            </a:r>
-            <a:r>
-              <a:rPr lang="en-CA" dirty="0" smtClean="0"/>
-              <a:t>Part </a:t>
-            </a:r>
-            <a:r>
-              <a:rPr lang="en-CA" dirty="0" smtClean="0"/>
-              <a:t>II (from Friday)</a:t>
+              <a:rPr lang="en-CA" dirty="0"/>
+              <a:t>HW: Projectile Motion Practice II (New Today)</a:t>
             </a:r>
           </a:p>
           <a:p>
             <a:pPr lvl="2"/>
             <a:r>
-              <a:rPr lang="en-CA" dirty="0" smtClean="0"/>
-              <a:t>HW: </a:t>
-            </a:r>
-            <a:r>
               <a:rPr lang="en-CA" dirty="0"/>
-              <a:t>Projectile Motion </a:t>
-            </a:r>
-            <a:r>
-              <a:rPr lang="en-CA" dirty="0" smtClean="0"/>
-              <a:t>Practice II (New Today)</a:t>
-            </a:r>
-            <a:endParaRPr lang="en-CA" dirty="0"/>
-          </a:p>
-          <a:p>
-            <a:pPr lvl="2"/>
+              <a:t>HW: Projectile Motion Review (</a:t>
+            </a:r>
+            <a:r>
+              <a:rPr lang="en-CA" b="1" i="1" dirty="0"/>
+              <a:t>Hard</a:t>
+            </a:r>
             <a:r>
               <a:rPr lang="en-CA" dirty="0"/>
-              <a:t>HW: Projectile </a:t>
-            </a:r>
-            <a:r>
-              <a:rPr lang="en-CA" dirty="0" smtClean="0"/>
-              <a:t>Motion Review (</a:t>
-            </a:r>
-            <a:r>
-              <a:rPr lang="en-CA" b="1" i="1" dirty="0" smtClean="0"/>
-              <a:t>Hard</a:t>
-            </a:r>
-            <a:r>
-              <a:rPr lang="en-CA" smtClean="0"/>
               <a:t>, Tomorrow)</a:t>
             </a:r>
-            <a:endParaRPr lang="en-CA" dirty="0" smtClean="0"/>
           </a:p>
           <a:p>
             <a:pPr lvl="2"/>
@@ -3152,13 +3101,8 @@
             <a:pPr lvl="1"/>
             <a:r>
               <a:rPr lang="en-CA" dirty="0"/>
-              <a:t>Due ASAP: Projectile Motion </a:t>
-            </a:r>
-            <a:r>
-              <a:rPr lang="en-CA" dirty="0" smtClean="0"/>
-              <a:t>Investigation</a:t>
-            </a:r>
-            <a:endParaRPr lang="en-CA" dirty="0" smtClean="0"/>
+              <a:t>Due ASAP: Projectile Motion Investigation</a:t>
+            </a:r>
           </a:p>
         </p:txBody>
       </p:sp>

--- a/Daily Agendas/Day5.1 ProjectileMotionII.pptx
+++ b/Daily Agendas/Day5.1 ProjectileMotionII.pptx
@@ -6,6 +6,8 @@
   </p:sldMasterIdLst>
   <p:sldIdLst>
     <p:sldId id="257" r:id="rId2"/>
+    <p:sldId id="258" r:id="rId3"/>
+    <p:sldId id="259" r:id="rId4"/>
   </p:sldIdLst>
   <p:sldSz cx="9144000" cy="6858000" type="screen4x3"/>
   <p:notesSz cx="6858000" cy="9144000"/>
@@ -243,7 +245,7 @@
           <a:p>
             <a:fld id="{DBFDDC6D-30E6-4591-A5D6-EBA4A0A375E4}" type="datetimeFigureOut">
               <a:rPr lang="en-US" smtClean="0"/>
-              <a:t>3/1/2020</a:t>
+              <a:t>3/2/2020</a:t>
             </a:fld>
             <a:endParaRPr lang="en-US"/>
           </a:p>
@@ -413,7 +415,7 @@
           <a:p>
             <a:fld id="{DBFDDC6D-30E6-4591-A5D6-EBA4A0A375E4}" type="datetimeFigureOut">
               <a:rPr lang="en-US" smtClean="0"/>
-              <a:t>3/1/2020</a:t>
+              <a:t>3/2/2020</a:t>
             </a:fld>
             <a:endParaRPr lang="en-US"/>
           </a:p>
@@ -593,7 +595,7 @@
           <a:p>
             <a:fld id="{DBFDDC6D-30E6-4591-A5D6-EBA4A0A375E4}" type="datetimeFigureOut">
               <a:rPr lang="en-US" smtClean="0"/>
-              <a:t>3/1/2020</a:t>
+              <a:t>3/2/2020</a:t>
             </a:fld>
             <a:endParaRPr lang="en-US"/>
           </a:p>
@@ -763,7 +765,7 @@
           <a:p>
             <a:fld id="{DBFDDC6D-30E6-4591-A5D6-EBA4A0A375E4}" type="datetimeFigureOut">
               <a:rPr lang="en-US" smtClean="0"/>
-              <a:t>3/1/2020</a:t>
+              <a:t>3/2/2020</a:t>
             </a:fld>
             <a:endParaRPr lang="en-US"/>
           </a:p>
@@ -1007,7 +1009,7 @@
           <a:p>
             <a:fld id="{DBFDDC6D-30E6-4591-A5D6-EBA4A0A375E4}" type="datetimeFigureOut">
               <a:rPr lang="en-US" smtClean="0"/>
-              <a:t>3/1/2020</a:t>
+              <a:t>3/2/2020</a:t>
             </a:fld>
             <a:endParaRPr lang="en-US"/>
           </a:p>
@@ -1239,7 +1241,7 @@
           <a:p>
             <a:fld id="{DBFDDC6D-30E6-4591-A5D6-EBA4A0A375E4}" type="datetimeFigureOut">
               <a:rPr lang="en-US" smtClean="0"/>
-              <a:t>3/1/2020</a:t>
+              <a:t>3/2/2020</a:t>
             </a:fld>
             <a:endParaRPr lang="en-US"/>
           </a:p>
@@ -1606,7 +1608,7 @@
           <a:p>
             <a:fld id="{DBFDDC6D-30E6-4591-A5D6-EBA4A0A375E4}" type="datetimeFigureOut">
               <a:rPr lang="en-US" smtClean="0"/>
-              <a:t>3/1/2020</a:t>
+              <a:t>3/2/2020</a:t>
             </a:fld>
             <a:endParaRPr lang="en-US"/>
           </a:p>
@@ -1724,7 +1726,7 @@
           <a:p>
             <a:fld id="{DBFDDC6D-30E6-4591-A5D6-EBA4A0A375E4}" type="datetimeFigureOut">
               <a:rPr lang="en-US" smtClean="0"/>
-              <a:t>3/1/2020</a:t>
+              <a:t>3/2/2020</a:t>
             </a:fld>
             <a:endParaRPr lang="en-US"/>
           </a:p>
@@ -1819,7 +1821,7 @@
           <a:p>
             <a:fld id="{DBFDDC6D-30E6-4591-A5D6-EBA4A0A375E4}" type="datetimeFigureOut">
               <a:rPr lang="en-US" smtClean="0"/>
-              <a:t>3/1/2020</a:t>
+              <a:t>3/2/2020</a:t>
             </a:fld>
             <a:endParaRPr lang="en-US"/>
           </a:p>
@@ -2096,7 +2098,7 @@
           <a:p>
             <a:fld id="{DBFDDC6D-30E6-4591-A5D6-EBA4A0A375E4}" type="datetimeFigureOut">
               <a:rPr lang="en-US" smtClean="0"/>
-              <a:t>3/1/2020</a:t>
+              <a:t>3/2/2020</a:t>
             </a:fld>
             <a:endParaRPr lang="en-US"/>
           </a:p>
@@ -2353,7 +2355,7 @@
           <a:p>
             <a:fld id="{DBFDDC6D-30E6-4591-A5D6-EBA4A0A375E4}" type="datetimeFigureOut">
               <a:rPr lang="en-US" smtClean="0"/>
-              <a:t>3/1/2020</a:t>
+              <a:t>3/2/2020</a:t>
             </a:fld>
             <a:endParaRPr lang="en-US"/>
           </a:p>
@@ -2566,7 +2568,7 @@
           <a:p>
             <a:fld id="{DBFDDC6D-30E6-4591-A5D6-EBA4A0A375E4}" type="datetimeFigureOut">
               <a:rPr lang="en-US" smtClean="0"/>
-              <a:t>3/1/2020</a:t>
+              <a:t>3/2/2020</a:t>
             </a:fld>
             <a:endParaRPr lang="en-US"/>
           </a:p>
@@ -3037,13 +3039,8 @@
             <a:pPr lvl="2"/>
             <a:r>
               <a:rPr lang="en-CA" dirty="0"/>
-              <a:t>Discussion: Projectile Motion Conditions (</a:t>
-            </a:r>
-            <a:r>
-              <a:rPr lang="en-CA"/>
-              <a:t>Question #2)</a:t>
-            </a:r>
-            <a:endParaRPr lang="en-CA" dirty="0"/>
+              <a:t>Discussion: Projectile Motion Conditions (Question #2)</a:t>
+            </a:r>
           </a:p>
           <a:p>
             <a:pPr lvl="2"/>
@@ -3110,6 +3107,704 @@
     <p:extLst>
       <p:ext uri="{BB962C8B-B14F-4D97-AF65-F5344CB8AC3E}">
         <p14:creationId xmlns:p14="http://schemas.microsoft.com/office/powerpoint/2010/main" val="1209346082"/>
+      </p:ext>
+    </p:extLst>
+  </p:cSld>
+  <p:clrMapOvr>
+    <a:masterClrMapping/>
+  </p:clrMapOvr>
+  <p:timing>
+    <p:tnLst>
+      <p:par>
+        <p:cTn id="1" dur="indefinite" restart="never" nodeType="tmRoot"/>
+      </p:par>
+    </p:tnLst>
+  </p:timing>
+</p:sld>
+</file>
+
+<file path=ppt/slides/slide2.xml><?xml version="1.0" encoding="utf-8"?>
+<p:sld xmlns:a="http://schemas.openxmlformats.org/drawingml/2006/main" xmlns:r="http://schemas.openxmlformats.org/officeDocument/2006/relationships" xmlns:p="http://schemas.openxmlformats.org/presentationml/2006/main">
+  <p:cSld>
+    <p:spTree>
+      <p:nvGrpSpPr>
+        <p:cNvPr id="1" name=""/>
+        <p:cNvGrpSpPr/>
+        <p:nvPr/>
+      </p:nvGrpSpPr>
+      <p:grpSpPr>
+        <a:xfrm>
+          <a:off x="0" y="0"/>
+          <a:ext cx="0" cy="0"/>
+          <a:chOff x="0" y="0"/>
+          <a:chExt cx="0" cy="0"/>
+        </a:xfrm>
+      </p:grpSpPr>
+      <p:sp>
+        <p:nvSpPr>
+          <p:cNvPr id="2" name="Title 1"/>
+          <p:cNvSpPr>
+            <a:spLocks noGrp="1"/>
+          </p:cNvSpPr>
+          <p:nvPr>
+            <p:ph type="title"/>
+          </p:nvPr>
+        </p:nvSpPr>
+        <p:spPr/>
+        <p:txBody>
+          <a:bodyPr>
+            <a:normAutofit/>
+          </a:bodyPr>
+          <a:lstStyle/>
+          <a:p>
+            <a:r>
+              <a:rPr lang="en-CA" sz="4000" dirty="0"/>
+              <a:t>Projectile Motion Conditions </a:t>
+            </a:r>
+            <a:r>
+              <a:rPr lang="en-CA" sz="4000" dirty="0" smtClean="0"/>
+              <a:t>#2</a:t>
+            </a:r>
+            <a:br>
+              <a:rPr lang="en-CA" sz="4000" dirty="0" smtClean="0"/>
+            </a:br>
+            <a:r>
+              <a:rPr lang="en-CA" sz="4000" dirty="0" smtClean="0"/>
+              <a:t>(Hints)</a:t>
+            </a:r>
+            <a:endParaRPr lang="en-US" sz="4000" dirty="0"/>
+          </a:p>
+        </p:txBody>
+      </p:sp>
+      <mc:AlternateContent xmlns:mc="http://schemas.openxmlformats.org/markup-compatibility/2006">
+        <mc:Choice xmlns:a14="http://schemas.microsoft.com/office/drawing/2010/main" Requires="a14">
+          <p:sp>
+            <p:nvSpPr>
+              <p:cNvPr id="3" name="Content Placeholder 2"/>
+              <p:cNvSpPr>
+                <a:spLocks noGrp="1"/>
+              </p:cNvSpPr>
+              <p:nvPr>
+                <p:ph idx="1"/>
+              </p:nvPr>
+            </p:nvSpPr>
+            <p:spPr/>
+            <p:txBody>
+              <a:bodyPr>
+                <a:normAutofit fontScale="92500" lnSpcReduction="10000"/>
+              </a:bodyPr>
+              <a:lstStyle/>
+              <a:p>
+                <a:pPr marL="514350" indent="-514350">
+                  <a:buFont typeface="+mj-lt"/>
+                  <a:buAutoNum type="arabicPeriod"/>
+                </a:pPr>
+                <a:r>
+                  <a:rPr lang="en-CA" dirty="0" smtClean="0"/>
+                  <a:t>Need To Find</a:t>
+                </a:r>
+              </a:p>
+              <a:p>
+                <a:pPr lvl="1"/>
+                <a:r>
+                  <a:rPr lang="el-GR" sz="2600" dirty="0">
+                    <a:solidFill>
+                      <a:srgbClr val="FF0000"/>
+                    </a:solidFill>
+                  </a:rPr>
+                  <a:t>Δ</a:t>
+                </a:r>
+                <a:r>
+                  <a:rPr lang="en-CA" sz="2600" dirty="0" smtClean="0">
+                    <a:solidFill>
+                      <a:srgbClr val="FF0000"/>
+                    </a:solidFill>
+                  </a:rPr>
+                  <a:t>t  when </a:t>
+                </a:r>
+                <a:r>
+                  <a:rPr lang="el-GR" sz="2600" dirty="0" smtClean="0">
+                    <a:solidFill>
+                      <a:srgbClr val="FF0000"/>
+                    </a:solidFill>
+                  </a:rPr>
+                  <a:t>Δ</a:t>
+                </a:r>
+                <a:r>
+                  <a:rPr lang="en-CA" sz="2600" dirty="0" smtClean="0">
+                    <a:solidFill>
+                      <a:srgbClr val="FF0000"/>
+                    </a:solidFill>
+                  </a:rPr>
+                  <a:t>d = 2.44 m</a:t>
+                </a:r>
+              </a:p>
+              <a:p>
+                <a:pPr lvl="1"/>
+                <a:endParaRPr lang="en-CA" dirty="0" smtClean="0"/>
+              </a:p>
+              <a:p>
+                <a:pPr marL="514350" indent="-514350">
+                  <a:buFont typeface="+mj-lt"/>
+                  <a:buAutoNum type="arabicPeriod"/>
+                </a:pPr>
+                <a:r>
+                  <a:rPr lang="en-CA" dirty="0" smtClean="0"/>
+                  <a:t>Analysis </a:t>
+                </a:r>
+                <a:r>
+                  <a:rPr lang="en-CA" dirty="0" smtClean="0"/>
+                  <a:t>in y-axis (vertical)</a:t>
+                </a:r>
+              </a:p>
+              <a:p>
+                <a:pPr lvl="1"/>
+                <a:r>
+                  <a:rPr lang="en-CA" dirty="0" smtClean="0"/>
+                  <a:t>Start with:   	</a:t>
+                </a:r>
+                <a:r>
+                  <a:rPr lang="el-GR" dirty="0" smtClean="0"/>
+                  <a:t>Δ</a:t>
+                </a:r>
+                <a:r>
+                  <a:rPr lang="en-CA" dirty="0" smtClean="0"/>
+                  <a:t>d = V</a:t>
+                </a:r>
+                <a:r>
+                  <a:rPr lang="en-CA" baseline="-25000" dirty="0" smtClean="0"/>
+                  <a:t>1</a:t>
+                </a:r>
+                <a:r>
+                  <a:rPr lang="el-GR" dirty="0"/>
+                  <a:t> </a:t>
+                </a:r>
+                <a:r>
+                  <a:rPr lang="el-GR" dirty="0" smtClean="0"/>
+                  <a:t>Δ</a:t>
+                </a:r>
+                <a:r>
+                  <a:rPr lang="en-CA" dirty="0" smtClean="0"/>
+                  <a:t>t + ½a</a:t>
+                </a:r>
+                <a:r>
+                  <a:rPr lang="el-GR" dirty="0"/>
+                  <a:t> </a:t>
+                </a:r>
+                <a:r>
+                  <a:rPr lang="el-GR" dirty="0" smtClean="0"/>
+                  <a:t>Δ</a:t>
+                </a:r>
+                <a:r>
+                  <a:rPr lang="en-CA" dirty="0" smtClean="0"/>
+                  <a:t>t</a:t>
+                </a:r>
+                <a:r>
+                  <a:rPr lang="en-CA" baseline="30000" dirty="0" smtClean="0"/>
+                  <a:t>2</a:t>
+                </a:r>
+              </a:p>
+              <a:p>
+                <a:pPr lvl="1"/>
+                <a:r>
+                  <a:rPr lang="en-CA" dirty="0" smtClean="0"/>
+                  <a:t>Rearrange:   	0 = ½</a:t>
+                </a:r>
+                <a:r>
+                  <a:rPr lang="en-CA" dirty="0"/>
+                  <a:t>a</a:t>
+                </a:r>
+                <a:r>
+                  <a:rPr lang="el-GR" dirty="0"/>
+                  <a:t> Δ</a:t>
+                </a:r>
+                <a:r>
+                  <a:rPr lang="en-CA" dirty="0" smtClean="0"/>
+                  <a:t>t</a:t>
+                </a:r>
+                <a:r>
+                  <a:rPr lang="en-CA" baseline="30000" dirty="0" smtClean="0"/>
+                  <a:t>2 </a:t>
+                </a:r>
+                <a:r>
+                  <a:rPr lang="en-CA" dirty="0" smtClean="0"/>
+                  <a:t>+ </a:t>
+                </a:r>
+                <a:r>
+                  <a:rPr lang="en-CA" dirty="0"/>
+                  <a:t>V</a:t>
+                </a:r>
+                <a:r>
+                  <a:rPr lang="en-CA" baseline="-25000" dirty="0"/>
+                  <a:t>1 </a:t>
+                </a:r>
+                <a:r>
+                  <a:rPr lang="el-GR" dirty="0" smtClean="0"/>
+                  <a:t>Δ</a:t>
+                </a:r>
+                <a:r>
+                  <a:rPr lang="en-CA" dirty="0"/>
+                  <a:t>t </a:t>
+                </a:r>
+                <a:r>
+                  <a:rPr lang="en-CA" dirty="0" smtClean="0"/>
+                  <a:t>– </a:t>
+                </a:r>
+                <a:r>
+                  <a:rPr lang="el-GR" dirty="0"/>
+                  <a:t>Δ</a:t>
+                </a:r>
+                <a:r>
+                  <a:rPr lang="en-CA" dirty="0" smtClean="0"/>
+                  <a:t>d</a:t>
+                </a:r>
+                <a:br>
+                  <a:rPr lang="en-CA" dirty="0" smtClean="0"/>
+                </a:br>
+                <a:endParaRPr lang="en-CA" baseline="30000" dirty="0"/>
+              </a:p>
+              <a:p>
+                <a:pPr lvl="1"/>
+                <a:r>
+                  <a:rPr lang="en-CA" dirty="0" smtClean="0"/>
+                  <a:t>Compare to:	0 = ax</a:t>
+                </a:r>
+                <a:r>
+                  <a:rPr lang="en-CA" baseline="30000" dirty="0" smtClean="0"/>
+                  <a:t>2</a:t>
+                </a:r>
+                <a:r>
+                  <a:rPr lang="en-CA" dirty="0" smtClean="0"/>
+                  <a:t> +</a:t>
+                </a:r>
+                <a:r>
+                  <a:rPr lang="en-CA" dirty="0" err="1" smtClean="0"/>
+                  <a:t>bx</a:t>
+                </a:r>
+                <a:r>
+                  <a:rPr lang="en-CA" dirty="0" smtClean="0"/>
+                  <a:t> + c</a:t>
+                </a:r>
+              </a:p>
+              <a:p>
+                <a:pPr marL="514350" indent="-514350">
+                  <a:buFont typeface="+mj-lt"/>
+                  <a:buAutoNum type="arabicPeriod"/>
+                </a:pPr>
+                <a:endParaRPr lang="en-CA" dirty="0"/>
+              </a:p>
+              <a:p>
+                <a:pPr marL="514350" indent="-514350">
+                  <a:buFont typeface="+mj-lt"/>
+                  <a:buAutoNum type="arabicPeriod"/>
+                </a:pPr>
+                <a:r>
+                  <a:rPr lang="en-CA" dirty="0" smtClean="0"/>
+                  <a:t>Quadratic Formula</a:t>
+                </a:r>
+              </a:p>
+              <a:p>
+                <a:pPr lvl="1"/>
+                <a:r>
+                  <a:rPr lang="en-US" dirty="0"/>
+                  <a:t>S</a:t>
+                </a:r>
+                <a:r>
+                  <a:rPr lang="en-US" dirty="0" smtClean="0"/>
+                  <a:t>olve for:	</a:t>
+                </a:r>
+                <a14:m>
+                  <m:oMath xmlns:m="http://schemas.openxmlformats.org/officeDocument/2006/math">
+                    <m:r>
+                      <a:rPr lang="en-US" i="1" smtClean="0">
+                        <a:latin typeface="Cambria Math" panose="02040503050406030204" pitchFamily="18" charset="0"/>
+                      </a:rPr>
+                      <m:t>𝑥</m:t>
+                    </m:r>
+                    <m:r>
+                      <a:rPr lang="en-US" i="1" smtClean="0">
+                        <a:latin typeface="Cambria Math" panose="02040503050406030204" pitchFamily="18" charset="0"/>
+                      </a:rPr>
+                      <m:t>=</m:t>
+                    </m:r>
+                    <m:f>
+                      <m:fPr>
+                        <m:ctrlPr>
+                          <a:rPr lang="en-US" i="1" smtClean="0">
+                            <a:latin typeface="Cambria Math" panose="02040503050406030204" pitchFamily="18" charset="0"/>
+                          </a:rPr>
+                        </m:ctrlPr>
+                      </m:fPr>
+                      <m:num>
+                        <m:r>
+                          <a:rPr lang="en-US" i="1" smtClean="0">
+                            <a:latin typeface="Cambria Math" panose="02040503050406030204" pitchFamily="18" charset="0"/>
+                          </a:rPr>
+                          <m:t>−</m:t>
+                        </m:r>
+                        <m:r>
+                          <a:rPr lang="en-US" i="1" smtClean="0">
+                            <a:latin typeface="Cambria Math" panose="02040503050406030204" pitchFamily="18" charset="0"/>
+                          </a:rPr>
+                          <m:t>𝑏</m:t>
+                        </m:r>
+                        <m:r>
+                          <a:rPr lang="en-US" i="1" smtClean="0">
+                            <a:latin typeface="Cambria Math" panose="02040503050406030204" pitchFamily="18" charset="0"/>
+                          </a:rPr>
+                          <m:t>±</m:t>
+                        </m:r>
+                        <m:rad>
+                          <m:radPr>
+                            <m:degHide m:val="on"/>
+                            <m:ctrlPr>
+                              <a:rPr lang="en-US" i="1" smtClean="0">
+                                <a:latin typeface="Cambria Math" panose="02040503050406030204" pitchFamily="18" charset="0"/>
+                              </a:rPr>
+                            </m:ctrlPr>
+                          </m:radPr>
+                          <m:deg/>
+                          <m:e>
+                            <m:sSup>
+                              <m:sSupPr>
+                                <m:ctrlPr>
+                                  <a:rPr lang="en-US" i="1" smtClean="0">
+                                    <a:latin typeface="Cambria Math" panose="02040503050406030204" pitchFamily="18" charset="0"/>
+                                  </a:rPr>
+                                </m:ctrlPr>
+                              </m:sSupPr>
+                              <m:e>
+                                <m:r>
+                                  <a:rPr lang="en-US" i="1" smtClean="0">
+                                    <a:latin typeface="Cambria Math" panose="02040503050406030204" pitchFamily="18" charset="0"/>
+                                  </a:rPr>
+                                  <m:t>𝑏</m:t>
+                                </m:r>
+                              </m:e>
+                              <m:sup>
+                                <m:r>
+                                  <a:rPr lang="en-US" i="1" smtClean="0">
+                                    <a:latin typeface="Cambria Math" panose="02040503050406030204" pitchFamily="18" charset="0"/>
+                                  </a:rPr>
+                                  <m:t>2</m:t>
+                                </m:r>
+                              </m:sup>
+                            </m:sSup>
+                            <m:r>
+                              <a:rPr lang="en-US" i="1" smtClean="0">
+                                <a:latin typeface="Cambria Math" panose="02040503050406030204" pitchFamily="18" charset="0"/>
+                              </a:rPr>
+                              <m:t>−4</m:t>
+                            </m:r>
+                            <m:r>
+                              <a:rPr lang="en-US" i="1" smtClean="0">
+                                <a:latin typeface="Cambria Math" panose="02040503050406030204" pitchFamily="18" charset="0"/>
+                              </a:rPr>
+                              <m:t>𝑎𝑐</m:t>
+                            </m:r>
+                          </m:e>
+                        </m:rad>
+                      </m:num>
+                      <m:den>
+                        <m:r>
+                          <a:rPr lang="en-US" i="1" smtClean="0">
+                            <a:latin typeface="Cambria Math" panose="02040503050406030204" pitchFamily="18" charset="0"/>
+                          </a:rPr>
+                          <m:t>2</m:t>
+                        </m:r>
+                        <m:r>
+                          <a:rPr lang="en-US" i="1" smtClean="0">
+                            <a:latin typeface="Cambria Math" panose="02040503050406030204" pitchFamily="18" charset="0"/>
+                          </a:rPr>
+                          <m:t>𝑎</m:t>
+                        </m:r>
+                      </m:den>
+                    </m:f>
+                  </m:oMath>
+                </a14:m>
+                <a:endParaRPr lang="en-US" dirty="0"/>
+              </a:p>
+            </p:txBody>
+          </p:sp>
+        </mc:Choice>
+        <mc:Fallback>
+          <p:sp>
+            <p:nvSpPr>
+              <p:cNvPr id="3" name="Content Placeholder 2"/>
+              <p:cNvSpPr>
+                <a:spLocks noGrp="1" noRot="1" noChangeAspect="1" noMove="1" noResize="1" noEditPoints="1" noAdjustHandles="1" noChangeArrowheads="1" noChangeShapeType="1" noTextEdit="1"/>
+              </p:cNvSpPr>
+              <p:nvPr>
+                <p:ph idx="1"/>
+              </p:nvPr>
+            </p:nvSpPr>
+            <p:spPr>
+              <a:blipFill>
+                <a:blip r:embed="rId2"/>
+                <a:stretch>
+                  <a:fillRect l="-1391" t="-2941"/>
+                </a:stretch>
+              </a:blipFill>
+            </p:spPr>
+            <p:txBody>
+              <a:bodyPr/>
+              <a:lstStyle/>
+              <a:p>
+                <a:r>
+                  <a:rPr lang="en-US">
+                    <a:noFill/>
+                  </a:rPr>
+                  <a:t> </a:t>
+                </a:r>
+              </a:p>
+            </p:txBody>
+          </p:sp>
+        </mc:Fallback>
+      </mc:AlternateContent>
+    </p:spTree>
+    <p:extLst>
+      <p:ext uri="{BB962C8B-B14F-4D97-AF65-F5344CB8AC3E}">
+        <p14:creationId xmlns:p14="http://schemas.microsoft.com/office/powerpoint/2010/main" val="1543643523"/>
+      </p:ext>
+    </p:extLst>
+  </p:cSld>
+  <p:clrMapOvr>
+    <a:masterClrMapping/>
+  </p:clrMapOvr>
+  <p:timing>
+    <p:tnLst>
+      <p:par>
+        <p:cTn id="1" dur="indefinite" restart="never" nodeType="tmRoot"/>
+      </p:par>
+    </p:tnLst>
+  </p:timing>
+</p:sld>
+</file>
+
+<file path=ppt/slides/slide3.xml><?xml version="1.0" encoding="utf-8"?>
+<p:sld xmlns:a="http://schemas.openxmlformats.org/drawingml/2006/main" xmlns:r="http://schemas.openxmlformats.org/officeDocument/2006/relationships" xmlns:p="http://schemas.openxmlformats.org/presentationml/2006/main">
+  <p:cSld>
+    <p:spTree>
+      <p:nvGrpSpPr>
+        <p:cNvPr id="1" name=""/>
+        <p:cNvGrpSpPr/>
+        <p:nvPr/>
+      </p:nvGrpSpPr>
+      <p:grpSpPr>
+        <a:xfrm>
+          <a:off x="0" y="0"/>
+          <a:ext cx="0" cy="0"/>
+          <a:chOff x="0" y="0"/>
+          <a:chExt cx="0" cy="0"/>
+        </a:xfrm>
+      </p:grpSpPr>
+      <p:sp>
+        <p:nvSpPr>
+          <p:cNvPr id="2" name="Title 1"/>
+          <p:cNvSpPr>
+            <a:spLocks noGrp="1"/>
+          </p:cNvSpPr>
+          <p:nvPr>
+            <p:ph type="title"/>
+          </p:nvPr>
+        </p:nvSpPr>
+        <p:spPr/>
+        <p:txBody>
+          <a:bodyPr>
+            <a:normAutofit/>
+          </a:bodyPr>
+          <a:lstStyle/>
+          <a:p>
+            <a:r>
+              <a:rPr lang="en-CA" sz="3600" dirty="0" smtClean="0"/>
+              <a:t>Projectile Motion – Review Problem #2</a:t>
+            </a:r>
+            <a:endParaRPr lang="en-US" sz="3600" dirty="0"/>
+          </a:p>
+        </p:txBody>
+      </p:sp>
+      <p:sp>
+        <p:nvSpPr>
+          <p:cNvPr id="3" name="Content Placeholder 2"/>
+          <p:cNvSpPr>
+            <a:spLocks noGrp="1"/>
+          </p:cNvSpPr>
+          <p:nvPr>
+            <p:ph idx="1"/>
+          </p:nvPr>
+        </p:nvSpPr>
+        <p:spPr>
+          <a:xfrm>
+            <a:off x="628650" y="4342798"/>
+            <a:ext cx="7886700" cy="1834164"/>
+          </a:xfrm>
+        </p:spPr>
+        <p:txBody>
+          <a:bodyPr>
+            <a:normAutofit fontScale="92500" lnSpcReduction="10000"/>
+          </a:bodyPr>
+          <a:lstStyle/>
+          <a:p>
+            <a:r>
+              <a:rPr lang="en-CA" dirty="0" smtClean="0"/>
+              <a:t>Hints:</a:t>
+            </a:r>
+          </a:p>
+          <a:p>
+            <a:pPr marL="914400" lvl="1" indent="-457200">
+              <a:buFont typeface="+mj-lt"/>
+              <a:buAutoNum type="alphaLcParenR"/>
+            </a:pPr>
+            <a:r>
+              <a:rPr lang="en-CA" dirty="0" smtClean="0"/>
+              <a:t>Unknowns are:   </a:t>
+            </a:r>
+            <a:r>
+              <a:rPr lang="en-CA" i="1" dirty="0" smtClean="0">
+                <a:solidFill>
+                  <a:srgbClr val="FF0000"/>
+                </a:solidFill>
+              </a:rPr>
+              <a:t>v </a:t>
+            </a:r>
+            <a:r>
+              <a:rPr lang="en-CA" i="1" dirty="0">
+                <a:solidFill>
+                  <a:srgbClr val="FF0000"/>
+                </a:solidFill>
+              </a:rPr>
+              <a:t>and </a:t>
+            </a:r>
+            <a:r>
+              <a:rPr lang="el-GR" i="1" dirty="0">
+                <a:solidFill>
+                  <a:srgbClr val="FF0000"/>
+                </a:solidFill>
+              </a:rPr>
+              <a:t>Δ</a:t>
+            </a:r>
+            <a:r>
+              <a:rPr lang="en-CA" i="1" dirty="0" smtClean="0">
+                <a:solidFill>
+                  <a:srgbClr val="FF0000"/>
+                </a:solidFill>
+              </a:rPr>
+              <a:t>t</a:t>
+            </a:r>
+          </a:p>
+          <a:p>
+            <a:pPr marL="914400" lvl="1" indent="-457200">
+              <a:buFont typeface="+mj-lt"/>
+              <a:buAutoNum type="alphaLcParenR"/>
+            </a:pPr>
+            <a:r>
+              <a:rPr lang="en-CA" dirty="0" smtClean="0"/>
+              <a:t>Write </a:t>
+            </a:r>
+            <a:r>
+              <a:rPr lang="en-CA" b="1" dirty="0" smtClean="0"/>
+              <a:t>x-axis</a:t>
+            </a:r>
+            <a:r>
+              <a:rPr lang="en-CA" dirty="0" smtClean="0"/>
+              <a:t> equation in terms of:   </a:t>
+            </a:r>
+            <a:r>
+              <a:rPr lang="en-CA" i="1" dirty="0" smtClean="0"/>
+              <a:t>v and </a:t>
+            </a:r>
+            <a:r>
+              <a:rPr lang="el-GR" i="1" dirty="0" smtClean="0"/>
+              <a:t>Δ</a:t>
+            </a:r>
+            <a:r>
+              <a:rPr lang="en-CA" i="1" dirty="0" smtClean="0"/>
+              <a:t>t</a:t>
+            </a:r>
+          </a:p>
+          <a:p>
+            <a:pPr marL="914400" lvl="1" indent="-457200">
+              <a:buFont typeface="+mj-lt"/>
+              <a:buAutoNum type="alphaLcParenR"/>
+            </a:pPr>
+            <a:r>
+              <a:rPr lang="en-CA" dirty="0"/>
+              <a:t>Write </a:t>
+            </a:r>
+            <a:r>
+              <a:rPr lang="en-CA" b="1" dirty="0" smtClean="0"/>
+              <a:t>y-axis</a:t>
+            </a:r>
+            <a:r>
+              <a:rPr lang="en-CA" dirty="0" smtClean="0"/>
+              <a:t> </a:t>
+            </a:r>
+            <a:r>
+              <a:rPr lang="en-CA" dirty="0"/>
+              <a:t>equation in terms of: </a:t>
+            </a:r>
+            <a:r>
+              <a:rPr lang="en-CA" dirty="0" smtClean="0"/>
+              <a:t>  </a:t>
+            </a:r>
+            <a:r>
+              <a:rPr lang="en-CA" i="1" dirty="0" smtClean="0"/>
+              <a:t>v </a:t>
+            </a:r>
+            <a:r>
+              <a:rPr lang="en-CA" i="1" dirty="0"/>
+              <a:t>and </a:t>
+            </a:r>
+            <a:r>
+              <a:rPr lang="el-GR" i="1" dirty="0"/>
+              <a:t>Δ</a:t>
+            </a:r>
+            <a:r>
+              <a:rPr lang="en-CA" i="1" dirty="0"/>
+              <a:t>t</a:t>
+            </a:r>
+          </a:p>
+          <a:p>
+            <a:pPr marL="914400" lvl="1" indent="-457200">
+              <a:buFont typeface="+mj-lt"/>
+              <a:buAutoNum type="alphaLcParenR"/>
+            </a:pPr>
+            <a:r>
+              <a:rPr lang="en-CA" dirty="0" smtClean="0"/>
+              <a:t>Solve POI.  Two equations, two unknowns</a:t>
+            </a:r>
+            <a:endParaRPr lang="en-US" dirty="0"/>
+          </a:p>
+        </p:txBody>
+      </p:sp>
+      <p:pic>
+        <p:nvPicPr>
+          <p:cNvPr id="4" name="Picture 3"/>
+          <p:cNvPicPr>
+            <a:picLocks noChangeAspect="1"/>
+          </p:cNvPicPr>
+          <p:nvPr/>
+        </p:nvPicPr>
+        <p:blipFill>
+          <a:blip r:embed="rId2"/>
+          <a:stretch>
+            <a:fillRect/>
+          </a:stretch>
+        </p:blipFill>
+        <p:spPr>
+          <a:xfrm>
+            <a:off x="628649" y="1426175"/>
+            <a:ext cx="7629553" cy="2799836"/>
+          </a:xfrm>
+          <a:prstGeom prst="rect">
+            <a:avLst/>
+          </a:prstGeom>
+        </p:spPr>
+      </p:pic>
+    </p:spTree>
+    <p:extLst>
+      <p:ext uri="{BB962C8B-B14F-4D97-AF65-F5344CB8AC3E}">
+        <p14:creationId xmlns:p14="http://schemas.microsoft.com/office/powerpoint/2010/main" val="1826841063"/>
       </p:ext>
     </p:extLst>
   </p:cSld>
